--- a/Operator Overloading/Op_Overloading_Part2.pptx
+++ b/Operator Overloading/Op_Overloading_Part2.pptx
@@ -136,6 +136,11 @@
       </a:defRPr>
     </a:lvl9pPr>
   </p:defaultTextStyle>
+  <p:extLst>
+    <p:ext uri="{EFAFB233-063F-42B5-8137-9DF3F51BA10A}">
+      <p15:sldGuideLst xmlns:p15="http://schemas.microsoft.com/office/powerpoint/2012/main"/>
+    </p:ext>
+  </p:extLst>
 </p:presentation>
 </file>
 
@@ -221,7 +226,7 @@
           <a:p>
             <a:fld id="{FD0C6649-6D93-4944-9A6D-4F56A13E0781}" type="datetimeFigureOut">
               <a:rPr lang="en-US" smtClean="0"/>
-              <a:t>9/15/24</a:t>
+              <a:t>9/16/24</a:t>
             </a:fld>
             <a:endParaRPr lang="en-US"/>
           </a:p>
@@ -532,18 +537,7 @@
           <a:bodyPr/>
           <a:lstStyle/>
           <a:p>
-            <a:r>
-              <a:rPr lang="en-US" dirty="0"/>
-              <a:t>The &lt;&lt; operator is typically overloaded to allow the object (in this case, a String object) to be printed using an output stream like std::</a:t>
-            </a:r>
-            <a:r>
-              <a:rPr lang="en-US" dirty="0" err="1"/>
-              <a:t>cout</a:t>
-            </a:r>
-            <a:r>
-              <a:rPr lang="en-US" dirty="0"/>
-              <a:t>. For example:</a:t>
-            </a:r>
+            <a:endParaRPr lang="en-US" dirty="0"/>
           </a:p>
         </p:txBody>
       </p:sp>
@@ -631,54 +625,7 @@
               <a:buFont typeface="Arial" panose="020B0604020202020204" pitchFamily="34" charset="0"/>
               <a:buChar char="•"/>
             </a:pPr>
-            <a:r>
-              <a:rPr lang="en-US" dirty="0"/>
-              <a:t>The return type should be a </a:t>
-            </a:r>
-            <a:r>
-              <a:rPr lang="en-US" b="1" dirty="0"/>
-              <a:t>reference</a:t>
-            </a:r>
-            <a:r>
-              <a:rPr lang="en-US" dirty="0"/>
-              <a:t> to a char (if you’re working with characters in a string).char&amp; for non-const objects (to allow modification).</a:t>
-            </a:r>
-          </a:p>
-          <a:p>
-            <a:pPr>
-              <a:buFont typeface="Arial" panose="020B0604020202020204" pitchFamily="34" charset="0"/>
-              <a:buChar char="•"/>
-            </a:pPr>
-            <a:r>
-              <a:rPr lang="en-US" dirty="0"/>
-              <a:t>const char&amp; for const objects (to ensure immutability).</a:t>
-            </a:r>
-          </a:p>
-          <a:p>
-            <a:r>
-              <a:rPr lang="en-US" b="1" dirty="0"/>
-              <a:t>Why?</a:t>
-            </a:r>
-            <a:r>
-              <a:rPr lang="en-US" dirty="0"/>
-              <a:t>: By returning a reference, the user can both </a:t>
-            </a:r>
-            <a:r>
-              <a:rPr lang="en-US" b="1" dirty="0"/>
-              <a:t>read</a:t>
-            </a:r>
-            <a:r>
-              <a:rPr lang="en-US" dirty="0"/>
-              <a:t> and </a:t>
-            </a:r>
-            <a:r>
-              <a:rPr lang="en-US" b="1" dirty="0"/>
-              <a:t>modify</a:t>
-            </a:r>
-            <a:r>
-              <a:rPr lang="en-US" dirty="0"/>
-              <a:t> the characters of the string using the subscript operator, like this:</a:t>
-            </a:r>
+            <a:endParaRPr lang="en-US" dirty="0"/>
           </a:p>
         </p:txBody>
       </p:sp>
@@ -762,53 +709,6 @@
           <a:bodyPr/>
           <a:lstStyle/>
           <a:p>
-            <a:pPr marL="0" marR="0" lvl="0" indent="0" algn="l" defTabSz="914400" rtl="0" eaLnBrk="1" fontAlgn="auto" latinLnBrk="0" hangingPunct="1">
-              <a:lnSpc>
-                <a:spcPct val="100000"/>
-              </a:lnSpc>
-              <a:spcBef>
-                <a:spcPts val="0"/>
-              </a:spcBef>
-              <a:spcAft>
-                <a:spcPts val="0"/>
-              </a:spcAft>
-              <a:buClrTx/>
-              <a:buSzTx/>
-              <a:buFontTx/>
-              <a:buNone/>
-              <a:tabLst/>
-              <a:defRPr/>
-            </a:pPr>
-            <a:r>
-              <a:rPr lang="en-US" dirty="0"/>
-              <a:t>The argument should be the </a:t>
-            </a:r>
-            <a:r>
-              <a:rPr lang="en-US" b="1" dirty="0"/>
-              <a:t>index</a:t>
-            </a:r>
-            <a:r>
-              <a:rPr lang="en-US" dirty="0"/>
-              <a:t> (typically an int or </a:t>
-            </a:r>
-            <a:r>
-              <a:rPr lang="en-US" dirty="0" err="1"/>
-              <a:t>size_t</a:t>
-            </a:r>
-            <a:r>
-              <a:rPr lang="en-US" dirty="0"/>
-              <a:t>) that specifies which element to access inside the </a:t>
-            </a:r>
-            <a:r>
-              <a:rPr lang="en-US" dirty="0" err="1"/>
-              <a:t>string.For</a:t>
-            </a:r>
-            <a:r>
-              <a:rPr lang="en-US" dirty="0"/>
-              <a:t> example, s[3] would pass 3 as the index to the function.</a:t>
-            </a:r>
-          </a:p>
-          <a:p>
             <a:endParaRPr lang="en-US" dirty="0"/>
           </a:p>
         </p:txBody>
@@ -893,166 +793,6 @@
           <a:bodyPr/>
           <a:lstStyle/>
           <a:p>
-            <a:r>
-              <a:rPr lang="en-US" b="1" dirty="0"/>
-              <a:t>Return Type (char&amp;)</a:t>
-            </a:r>
-            <a:r>
-              <a:rPr lang="en-US" dirty="0"/>
-              <a:t>:</a:t>
-            </a:r>
-          </a:p>
-          <a:p>
-            <a:pPr>
-              <a:buFont typeface="Arial" panose="020B0604020202020204" pitchFamily="34" charset="0"/>
-              <a:buChar char="•"/>
-            </a:pPr>
-            <a:r>
-              <a:rPr lang="en-US" dirty="0"/>
-              <a:t>This returns a </a:t>
-            </a:r>
-            <a:r>
-              <a:rPr lang="en-US" b="1" dirty="0"/>
-              <a:t>reference</a:t>
-            </a:r>
-            <a:r>
-              <a:rPr lang="en-US" dirty="0"/>
-              <a:t> to the character at the specified index. The char&amp; return type allows the character to be both </a:t>
-            </a:r>
-            <a:r>
-              <a:rPr lang="en-US" b="1" dirty="0"/>
-              <a:t>read</a:t>
-            </a:r>
-            <a:r>
-              <a:rPr lang="en-US" dirty="0"/>
-              <a:t> and </a:t>
-            </a:r>
-            <a:r>
-              <a:rPr lang="en-US" b="1" dirty="0"/>
-              <a:t>modified</a:t>
-            </a:r>
-            <a:r>
-              <a:rPr lang="en-US" dirty="0"/>
-              <a:t>.</a:t>
-            </a:r>
-          </a:p>
-          <a:p>
-            <a:r>
-              <a:rPr lang="en-US" b="1" dirty="0"/>
-              <a:t>Parameter (int index)</a:t>
-            </a:r>
-            <a:r>
-              <a:rPr lang="en-US" dirty="0"/>
-              <a:t>:</a:t>
-            </a:r>
-          </a:p>
-          <a:p>
-            <a:pPr>
-              <a:buFont typeface="Arial" panose="020B0604020202020204" pitchFamily="34" charset="0"/>
-              <a:buChar char="•"/>
-            </a:pPr>
-            <a:r>
-              <a:rPr lang="en-US" dirty="0"/>
-              <a:t>The parameter index is the position in the string that you want to access. The [] operator will return the character at this position.</a:t>
-            </a:r>
-          </a:p>
-          <a:p>
-            <a:r>
-              <a:rPr lang="en-US" b="1" dirty="0"/>
-              <a:t>Assertions (assert(index &gt;= 0 &amp;&amp; index &lt; length))</a:t>
-            </a:r>
-            <a:r>
-              <a:rPr lang="en-US" dirty="0"/>
-              <a:t>:</a:t>
-            </a:r>
-          </a:p>
-          <a:p>
-            <a:pPr>
-              <a:buFont typeface="Arial" panose="020B0604020202020204" pitchFamily="34" charset="0"/>
-              <a:buChar char="•"/>
-            </a:pPr>
-            <a:r>
-              <a:rPr lang="en-US" dirty="0"/>
-              <a:t>The assert statement ensures that the index is </a:t>
-            </a:r>
-            <a:r>
-              <a:rPr lang="en-US" b="1" dirty="0"/>
-              <a:t>within the valid range</a:t>
-            </a:r>
-            <a:r>
-              <a:rPr lang="en-US" dirty="0"/>
-              <a:t> of the string (i.e., greater than or equal to 0 and less than the total length of the string).</a:t>
-            </a:r>
-          </a:p>
-          <a:p>
-            <a:pPr>
-              <a:buFont typeface="Arial" panose="020B0604020202020204" pitchFamily="34" charset="0"/>
-              <a:buChar char="•"/>
-            </a:pPr>
-            <a:r>
-              <a:rPr lang="en-US" dirty="0"/>
-              <a:t>If the index is out of range, the program will terminate with an assertion failure.</a:t>
-            </a:r>
-          </a:p>
-          <a:p>
-            <a:r>
-              <a:rPr lang="en-US" b="1" dirty="0"/>
-              <a:t>Return Statement (return </a:t>
-            </a:r>
-            <a:r>
-              <a:rPr lang="en-US" b="1" dirty="0" err="1"/>
-              <a:t>storageM</a:t>
-            </a:r>
-            <a:r>
-              <a:rPr lang="en-US" b="1" dirty="0"/>
-              <a:t>[index])</a:t>
-            </a:r>
-            <a:r>
-              <a:rPr lang="en-US" dirty="0"/>
-              <a:t>:</a:t>
-            </a:r>
-          </a:p>
-          <a:p>
-            <a:pPr>
-              <a:buFont typeface="Arial" panose="020B0604020202020204" pitchFamily="34" charset="0"/>
-              <a:buChar char="•"/>
-            </a:pPr>
-            <a:r>
-              <a:rPr lang="en-US" dirty="0" err="1"/>
-              <a:t>storageM</a:t>
-            </a:r>
-            <a:r>
-              <a:rPr lang="en-US" dirty="0"/>
-              <a:t> is the internal character array where the string data is stored.</a:t>
-            </a:r>
-          </a:p>
-          <a:p>
-            <a:pPr>
-              <a:buFont typeface="Arial" panose="020B0604020202020204" pitchFamily="34" charset="0"/>
-              <a:buChar char="•"/>
-            </a:pPr>
-            <a:r>
-              <a:rPr lang="en-US" dirty="0"/>
-              <a:t>The function returns a </a:t>
-            </a:r>
-            <a:r>
-              <a:rPr lang="en-US" b="1" dirty="0"/>
-              <a:t>reference</a:t>
-            </a:r>
-            <a:r>
-              <a:rPr lang="en-US" dirty="0"/>
-              <a:t> to the character at position index in </a:t>
-            </a:r>
-            <a:r>
-              <a:rPr lang="en-US" dirty="0" err="1"/>
-              <a:t>storageM</a:t>
-            </a:r>
-            <a:r>
-              <a:rPr lang="en-US" dirty="0"/>
-              <a:t>.</a:t>
-            </a:r>
-          </a:p>
-          <a:p>
             <a:endParaRPr lang="en-US" dirty="0"/>
           </a:p>
         </p:txBody>
@@ -1137,148 +877,6 @@
           <a:bodyPr/>
           <a:lstStyle/>
           <a:p>
-            <a:r>
-              <a:rPr lang="en-US" dirty="0"/>
-              <a:t>Implicit type conversion in C++ (sometimes called </a:t>
-            </a:r>
-            <a:r>
-              <a:rPr lang="en-US" b="1" dirty="0"/>
-              <a:t>"type coercion"</a:t>
-            </a:r>
-            <a:r>
-              <a:rPr lang="en-US" dirty="0"/>
-              <a:t>) is a feature that helps improve code readability and convenience by automatically converting one data type into another when needed. This feature is used when it makes sense for the program to perform conversions without explicitly stating them, allowing the code to be simpler and cleaner.</a:t>
-            </a:r>
-          </a:p>
-          <a:p>
-            <a:endParaRPr lang="en-US" dirty="0"/>
-          </a:p>
-          <a:p>
-            <a:r>
-              <a:rPr lang="en-US" dirty="0"/>
-              <a:t>In C++, when you define a constructor that takes a </a:t>
-            </a:r>
-            <a:r>
-              <a:rPr lang="en-US" b="1" dirty="0"/>
-              <a:t>single argument</a:t>
-            </a:r>
-            <a:r>
-              <a:rPr lang="en-US" dirty="0"/>
-              <a:t>, it can be used by the compiler to automatically convert the argument's type to the type of the class. This is known as </a:t>
-            </a:r>
-            <a:r>
-              <a:rPr lang="en-US" b="1" dirty="0"/>
-              <a:t>implicit type conversion</a:t>
-            </a:r>
-            <a:r>
-              <a:rPr lang="en-US" dirty="0"/>
-              <a:t>.</a:t>
-            </a:r>
-          </a:p>
-          <a:p>
-            <a:endParaRPr lang="en-US" dirty="0"/>
-          </a:p>
-          <a:p>
-            <a:pPr marL="0" marR="0" lvl="0" indent="0" algn="l" defTabSz="914400" rtl="0" eaLnBrk="1" fontAlgn="auto" latinLnBrk="0" hangingPunct="1">
-              <a:lnSpc>
-                <a:spcPct val="100000"/>
-              </a:lnSpc>
-              <a:spcBef>
-                <a:spcPts val="0"/>
-              </a:spcBef>
-              <a:spcAft>
-                <a:spcPts val="0"/>
-              </a:spcAft>
-              <a:buClrTx/>
-              <a:buSzTx/>
-              <a:buFontTx/>
-              <a:buNone/>
-              <a:tabLst/>
-              <a:defRPr/>
-            </a:pPr>
-            <a:r>
-              <a:rPr lang="en-US" dirty="0"/>
-              <a:t>This constructor takes a single integer argument </a:t>
-            </a:r>
-            <a:r>
-              <a:rPr lang="en-US" dirty="0" err="1"/>
-              <a:t>len</a:t>
-            </a:r>
-            <a:r>
-              <a:rPr lang="en-US" dirty="0"/>
-              <a:t> and creates a new String object with space for </a:t>
-            </a:r>
-            <a:r>
-              <a:rPr lang="en-US" dirty="0" err="1"/>
-              <a:t>len</a:t>
-            </a:r>
-            <a:r>
-              <a:rPr lang="en-US" dirty="0"/>
-              <a:t> + 1 characters (including the null terminator '\0' for C-style strings).</a:t>
-            </a:r>
-          </a:p>
-          <a:p>
-            <a:r>
-              <a:rPr lang="en-US" b="1" dirty="0"/>
-              <a:t>Step 1</a:t>
-            </a:r>
-            <a:r>
-              <a:rPr lang="en-US" dirty="0"/>
-              <a:t>: The compiler sees String s = 100; and notices that 100 is an integer, but s is of type String. </a:t>
-            </a:r>
-            <a:r>
-              <a:rPr lang="en-US" b="1" dirty="0"/>
-              <a:t>Step 2</a:t>
-            </a:r>
-            <a:r>
-              <a:rPr lang="en-US" dirty="0"/>
-              <a:t>: The compiler looks for a constructor in the String class that can accept an int. It finds the String::String(int </a:t>
-            </a:r>
-            <a:r>
-              <a:rPr lang="en-US" dirty="0" err="1"/>
-              <a:t>len</a:t>
-            </a:r>
-            <a:r>
-              <a:rPr lang="en-US" dirty="0"/>
-              <a:t>) constructor. </a:t>
-            </a:r>
-            <a:r>
-              <a:rPr lang="en-US" b="1" dirty="0"/>
-              <a:t>Step 3</a:t>
-            </a:r>
-            <a:r>
-              <a:rPr lang="en-US" dirty="0"/>
-              <a:t>: The compiler calls String::String(100), passing 100 as the </a:t>
-            </a:r>
-            <a:r>
-              <a:rPr lang="en-US" dirty="0" err="1"/>
-              <a:t>len</a:t>
-            </a:r>
-            <a:r>
-              <a:rPr lang="en-US" dirty="0"/>
-              <a:t> argument, which creates a String object with space for 100 + 1 </a:t>
-            </a:r>
-            <a:r>
-              <a:rPr lang="en-US" dirty="0" err="1"/>
-              <a:t>characters.</a:t>
-            </a:r>
-            <a:r>
-              <a:rPr lang="en-US" b="1" dirty="0" err="1"/>
-              <a:t>Step</a:t>
-            </a:r>
-            <a:r>
-              <a:rPr lang="en-US" b="1" dirty="0"/>
-              <a:t> 4</a:t>
-            </a:r>
-            <a:r>
-              <a:rPr lang="en-US" dirty="0"/>
-              <a:t>: s is now a valid String object initialized with that memory.</a:t>
-            </a:r>
-          </a:p>
-          <a:p>
-            <a:endParaRPr lang="en-US" dirty="0"/>
-          </a:p>
-          <a:p>
             <a:endParaRPr lang="en-US" dirty="0"/>
           </a:p>
         </p:txBody>
@@ -1363,113 +961,6 @@
           <a:bodyPr/>
           <a:lstStyle/>
           <a:p>
-            <a:r>
-              <a:rPr lang="en-US" dirty="0"/>
-              <a:t>Explicit type conversion (also called </a:t>
-            </a:r>
-            <a:r>
-              <a:rPr lang="en-US" b="1" dirty="0"/>
-              <a:t>type casting</a:t>
-            </a:r>
-            <a:r>
-              <a:rPr lang="en-US" dirty="0"/>
-              <a:t>) is when you manually convert one data type to another. This is done in C++ using cast syntax, for example:</a:t>
-            </a:r>
-          </a:p>
-          <a:p>
-            <a:endParaRPr lang="en-US" dirty="0"/>
-          </a:p>
-          <a:p>
-            <a:r>
-              <a:rPr lang="en-US" dirty="0"/>
-              <a:t>Here, the String object s is explicitly cast to a char*. This is </a:t>
-            </a:r>
-            <a:r>
-              <a:rPr lang="en-US" b="1" dirty="0"/>
-              <a:t>not</a:t>
-            </a:r>
-            <a:r>
-              <a:rPr lang="en-US" dirty="0"/>
-              <a:t> an automatic conversion; you are forcing the program to treat the String object as a char* (pointer to a character array).</a:t>
-            </a:r>
-          </a:p>
-          <a:p>
-            <a:endParaRPr lang="en-US" dirty="0"/>
-          </a:p>
-          <a:p>
-            <a:r>
-              <a:rPr lang="en-US" b="1" dirty="0"/>
-              <a:t>Why Do We Need Explicit Conversion?</a:t>
-            </a:r>
-          </a:p>
-          <a:p>
-            <a:r>
-              <a:rPr lang="en-US" dirty="0"/>
-              <a:t>Sometimes, you want to </a:t>
-            </a:r>
-            <a:r>
-              <a:rPr lang="en-US" b="1" dirty="0"/>
-              <a:t>convert a custom class type</a:t>
-            </a:r>
-            <a:r>
-              <a:rPr lang="en-US" dirty="0"/>
-              <a:t> (like String) into a </a:t>
-            </a:r>
-            <a:r>
-              <a:rPr lang="en-US" b="1" dirty="0"/>
-              <a:t>built-in type</a:t>
-            </a:r>
-            <a:r>
-              <a:rPr lang="en-US" dirty="0"/>
-              <a:t> (like char*). This is useful when you need access to the internal data of a class that isn't exposed directly.</a:t>
-            </a:r>
-          </a:p>
-          <a:p>
-            <a:r>
-              <a:rPr lang="en-US" dirty="0"/>
-              <a:t>In this case, the String class contains the character data inside </a:t>
-            </a:r>
-            <a:r>
-              <a:rPr lang="en-US" dirty="0" err="1"/>
-              <a:t>storageM</a:t>
-            </a:r>
-            <a:r>
-              <a:rPr lang="en-US" dirty="0"/>
-              <a:t> (a char array). To access that data directly as a char*, you need to overload the explicit conversion operator for char*.</a:t>
-            </a:r>
-          </a:p>
-          <a:p>
-            <a:endParaRPr lang="en-US" dirty="0"/>
-          </a:p>
-          <a:p>
-            <a:r>
-              <a:rPr lang="en-US" dirty="0"/>
-              <a:t>In some cases, implicit conversions (automatic) are not appropriate because they could lead to unexpected behavior or bugs. By using </a:t>
-            </a:r>
-            <a:r>
-              <a:rPr lang="en-US" b="1" dirty="0"/>
-              <a:t>explicit conversion</a:t>
-            </a:r>
-            <a:r>
-              <a:rPr lang="en-US" dirty="0"/>
-              <a:t>, you ensure that the conversion only happens when it is explicitly intended by the programmer.</a:t>
-            </a:r>
-          </a:p>
-          <a:p>
-            <a:r>
-              <a:rPr lang="en-US" dirty="0"/>
-              <a:t>For example, you would not want a String object to automatically convert into a char* every time it’s used. But when you </a:t>
-            </a:r>
-            <a:r>
-              <a:rPr lang="en-US" b="1" dirty="0"/>
-              <a:t>explicitly</a:t>
-            </a:r>
-            <a:r>
-              <a:rPr lang="en-US" dirty="0"/>
-              <a:t> cast (char*) s, it’s clear that you are asking the compiler to convert the String to a char* intentionally.</a:t>
-            </a:r>
-          </a:p>
-          <a:p>
             <a:endParaRPr lang="en-US" dirty="0"/>
           </a:p>
         </p:txBody>
@@ -1554,81 +1045,7 @@
           <a:bodyPr/>
           <a:lstStyle/>
           <a:p>
-            <a:r>
-              <a:rPr lang="en-US" dirty="0"/>
-              <a:t>This is a </a:t>
-            </a:r>
-            <a:r>
-              <a:rPr lang="en-US" b="1" dirty="0"/>
-              <a:t>unary operator</a:t>
-            </a:r>
-            <a:r>
-              <a:rPr lang="en-US" dirty="0"/>
-              <a:t> because it operates on only one operand (the object that is being cast).</a:t>
-            </a:r>
-          </a:p>
-          <a:p>
-            <a:pPr marL="0" marR="0" lvl="0" indent="0" algn="l" defTabSz="914400" rtl="0" eaLnBrk="1" fontAlgn="auto" latinLnBrk="0" hangingPunct="1">
-              <a:lnSpc>
-                <a:spcPct val="100000"/>
-              </a:lnSpc>
-              <a:spcBef>
-                <a:spcPts val="0"/>
-              </a:spcBef>
-              <a:spcAft>
-                <a:spcPts val="0"/>
-              </a:spcAft>
-              <a:buClrTx/>
-              <a:buSzTx/>
-              <a:buFontTx/>
-              <a:buNone/>
-              <a:tabLst/>
-              <a:defRPr/>
-            </a:pPr>
-            <a:r>
-              <a:rPr lang="en-US" b="1" dirty="0"/>
-              <a:t>No</a:t>
-            </a:r>
-            <a:r>
-              <a:rPr lang="en-US" dirty="0"/>
-              <a:t>. This operator needs access to the internal data (</a:t>
-            </a:r>
-            <a:r>
-              <a:rPr lang="en-US" dirty="0" err="1"/>
-              <a:t>storageM</a:t>
-            </a:r>
-            <a:r>
-              <a:rPr lang="en-US" dirty="0"/>
-              <a:t>) of the class. It must be a </a:t>
-            </a:r>
-            <a:r>
-              <a:rPr lang="en-US" b="1" dirty="0"/>
-              <a:t>member function</a:t>
-            </a:r>
-            <a:r>
-              <a:rPr lang="en-US" dirty="0"/>
-              <a:t> to access private members of the class.</a:t>
-            </a:r>
-          </a:p>
-          <a:p>
-            <a:r>
-              <a:rPr lang="en-US" dirty="0"/>
-              <a:t>The return type should be a char* because the goal is to convert the String object into a char* pointer to the internal character array.</a:t>
-            </a:r>
-          </a:p>
-          <a:p>
-            <a:r>
-              <a:rPr lang="en-US" dirty="0"/>
-              <a:t>The operator should return the internal </a:t>
-            </a:r>
-            <a:r>
-              <a:rPr lang="en-US" dirty="0" err="1"/>
-              <a:t>storageM</a:t>
-            </a:r>
-            <a:r>
-              <a:rPr lang="en-US" dirty="0"/>
-              <a:t> array, which holds the string data.</a:t>
-            </a:r>
+            <a:endParaRPr lang="en-US" dirty="0"/>
           </a:p>
         </p:txBody>
       </p:sp>
@@ -1712,160 +1129,6 @@
           <a:bodyPr/>
           <a:lstStyle/>
           <a:p>
-            <a:r>
-              <a:rPr lang="en-US" b="1" dirty="0"/>
-              <a:t>No Return Type Specified</a:t>
-            </a:r>
-            <a:r>
-              <a:rPr lang="en-US" dirty="0"/>
-              <a:t>:</a:t>
-            </a:r>
-          </a:p>
-          <a:p>
-            <a:pPr>
-              <a:buFont typeface="Arial" panose="020B0604020202020204" pitchFamily="34" charset="0"/>
-              <a:buChar char="•"/>
-            </a:pPr>
-            <a:r>
-              <a:rPr lang="en-US" dirty="0"/>
-              <a:t>Notice that there is </a:t>
-            </a:r>
-            <a:r>
-              <a:rPr lang="en-US" b="1" dirty="0"/>
-              <a:t>no explicit return type</a:t>
-            </a:r>
-            <a:r>
-              <a:rPr lang="en-US" dirty="0"/>
-              <a:t> in this function definition. This is because, in C++, when overloading the cast operator, the return type is implicitly understood from the operator being overloaded.</a:t>
-            </a:r>
-          </a:p>
-          <a:p>
-            <a:pPr>
-              <a:buFont typeface="Arial" panose="020B0604020202020204" pitchFamily="34" charset="0"/>
-              <a:buChar char="•"/>
-            </a:pPr>
-            <a:r>
-              <a:rPr lang="en-US" dirty="0"/>
-              <a:t>Here, we are overloading the cast operator for char*, so the return type is implicitly char*.</a:t>
-            </a:r>
-          </a:p>
-          <a:p>
-            <a:r>
-              <a:rPr lang="en-US" dirty="0"/>
-              <a:t>he purpose of this overloaded operator is to allow an object of type String to be explicitly cast into a char*. This allows access to the internal character array (</a:t>
-            </a:r>
-            <a:r>
-              <a:rPr lang="en-US" dirty="0" err="1"/>
-              <a:t>storageM</a:t>
-            </a:r>
-            <a:r>
-              <a:rPr lang="en-US" dirty="0"/>
-              <a:t>) that holds the string data.</a:t>
-            </a:r>
-          </a:p>
-          <a:p>
-            <a:endParaRPr lang="en-US" dirty="0"/>
-          </a:p>
-          <a:p>
-            <a:r>
-              <a:rPr lang="en-US" b="1" dirty="0"/>
-              <a:t>String s("ABCD");</a:t>
-            </a:r>
-            <a:endParaRPr lang="en-US" dirty="0"/>
-          </a:p>
-          <a:p>
-            <a:pPr>
-              <a:buFont typeface="Arial" panose="020B0604020202020204" pitchFamily="34" charset="0"/>
-              <a:buChar char="•"/>
-            </a:pPr>
-            <a:r>
-              <a:rPr lang="en-US" dirty="0"/>
-              <a:t>A String object s is created, and "ABCD" is stored in </a:t>
-            </a:r>
-            <a:r>
-              <a:rPr lang="en-US" dirty="0" err="1"/>
-              <a:t>s.storageM</a:t>
-            </a:r>
-            <a:r>
-              <a:rPr lang="en-US" dirty="0"/>
-              <a:t>.</a:t>
-            </a:r>
-          </a:p>
-          <a:p>
-            <a:r>
-              <a:rPr lang="en-US" i="1" dirty="0"/>
-              <a:t>char </a:t>
-            </a:r>
-            <a:r>
-              <a:rPr lang="en-US" i="1" dirty="0" err="1"/>
-              <a:t>st</a:t>
-            </a:r>
-            <a:r>
-              <a:rPr lang="en-US" i="1" dirty="0"/>
-              <a:t> = (char</a:t>
-            </a:r>
-            <a:r>
-              <a:rPr lang="en-US" dirty="0"/>
-              <a:t>) s;**</a:t>
-            </a:r>
-          </a:p>
-          <a:p>
-            <a:pPr>
-              <a:buFont typeface="Arial" panose="020B0604020202020204" pitchFamily="34" charset="0"/>
-              <a:buChar char="•"/>
-            </a:pPr>
-            <a:r>
-              <a:rPr lang="en-US" dirty="0"/>
-              <a:t>The object s is explicitly cast to a char* using (char*) s.</a:t>
-            </a:r>
-          </a:p>
-          <a:p>
-            <a:pPr>
-              <a:buFont typeface="Arial" panose="020B0604020202020204" pitchFamily="34" charset="0"/>
-              <a:buChar char="•"/>
-            </a:pPr>
-            <a:r>
-              <a:rPr lang="en-US" dirty="0"/>
-              <a:t>This triggers the overloaded cast operator operator char*() in the String class.</a:t>
-            </a:r>
-          </a:p>
-          <a:p>
-            <a:pPr>
-              <a:buFont typeface="Arial" panose="020B0604020202020204" pitchFamily="34" charset="0"/>
-              <a:buChar char="•"/>
-            </a:pPr>
-            <a:r>
-              <a:rPr lang="en-US" dirty="0"/>
-              <a:t>The cast operator returns the internal character array </a:t>
-            </a:r>
-            <a:r>
-              <a:rPr lang="en-US" dirty="0" err="1"/>
-              <a:t>storageM</a:t>
-            </a:r>
-            <a:r>
-              <a:rPr lang="en-US" dirty="0"/>
-              <a:t>, which contains "ABCD".</a:t>
-            </a:r>
-          </a:p>
-          <a:p>
-            <a:pPr>
-              <a:buFont typeface="Arial" panose="020B0604020202020204" pitchFamily="34" charset="0"/>
-              <a:buChar char="•"/>
-            </a:pPr>
-            <a:r>
-              <a:rPr lang="en-US" dirty="0"/>
-              <a:t>As a result, </a:t>
-            </a:r>
-            <a:r>
-              <a:rPr lang="en-US" dirty="0" err="1"/>
-              <a:t>st</a:t>
-            </a:r>
-            <a:r>
-              <a:rPr lang="en-US" dirty="0"/>
-              <a:t> now points to the string "ABCD".</a:t>
-            </a:r>
-          </a:p>
-          <a:p>
             <a:endParaRPr lang="en-US" dirty="0"/>
           </a:p>
         </p:txBody>
@@ -1949,20 +1212,6 @@
         <p:txBody>
           <a:bodyPr/>
           <a:lstStyle/>
-          <a:p>
-            <a:r>
-              <a:rPr lang="en-US" dirty="0"/>
-              <a:t>The ++ and -- operators are </a:t>
-            </a:r>
-            <a:r>
-              <a:rPr lang="en-US" b="1" dirty="0"/>
-              <a:t>unary operators</a:t>
-            </a:r>
-            <a:r>
-              <a:rPr lang="en-US" dirty="0"/>
-              <a:t> when used in this context, as they operate on a single object, such as incrementing or decrementing a variable.</a:t>
-            </a:r>
-          </a:p>
           <a:p>
             <a:endParaRPr lang="en-US" dirty="0"/>
           </a:p>
@@ -2066,60 +1315,7 @@
           <a:bodyPr/>
           <a:lstStyle/>
           <a:p>
-            <a:r>
-              <a:rPr lang="en-US" b="1" dirty="0"/>
-              <a:t>How Does the Compiler Recognize Prefix and Postfix?</a:t>
-            </a:r>
-          </a:p>
-          <a:p>
-            <a:r>
-              <a:rPr lang="en-US" dirty="0"/>
-              <a:t>The compiler distinguishes between </a:t>
-            </a:r>
-            <a:r>
-              <a:rPr lang="en-US" b="1" dirty="0"/>
-              <a:t>prefix</a:t>
-            </a:r>
-            <a:r>
-              <a:rPr lang="en-US" dirty="0"/>
-              <a:t> and </a:t>
-            </a:r>
-            <a:r>
-              <a:rPr lang="en-US" b="1" dirty="0"/>
-              <a:t>postfix</a:t>
-            </a:r>
-            <a:r>
-              <a:rPr lang="en-US" dirty="0"/>
-              <a:t> versions of the ++ or -- operators by looking at the function signature:</a:t>
-            </a:r>
-          </a:p>
-          <a:p>
-            <a:pPr>
-              <a:buFont typeface="Arial" panose="020B0604020202020204" pitchFamily="34" charset="0"/>
-              <a:buChar char="•"/>
-            </a:pPr>
-            <a:r>
-              <a:rPr lang="en-US" b="1" dirty="0"/>
-              <a:t>Prefix version</a:t>
-            </a:r>
-            <a:r>
-              <a:rPr lang="en-US" dirty="0"/>
-              <a:t>: Has no parameters.</a:t>
-            </a:r>
-          </a:p>
-          <a:p>
-            <a:pPr>
-              <a:buFont typeface="Arial" panose="020B0604020202020204" pitchFamily="34" charset="0"/>
-              <a:buChar char="•"/>
-            </a:pPr>
-            <a:r>
-              <a:rPr lang="en-US" b="1" dirty="0"/>
-              <a:t>Postfix version</a:t>
-            </a:r>
-            <a:r>
-              <a:rPr lang="en-US" dirty="0"/>
-              <a:t>: Takes an int as a dummy parameter. This is how the compiler knows it's the postfix version, even though the parameter isn't used for any logic.</a:t>
-            </a:r>
+            <a:endParaRPr lang="en-US" dirty="0"/>
           </a:p>
         </p:txBody>
       </p:sp>
@@ -2209,40 +1405,7 @@
           <a:bodyPr/>
           <a:lstStyle/>
           <a:p>
-            <a:r>
-              <a:rPr lang="en-US" dirty="0"/>
-              <a:t>The left side of the &lt;&lt; operator is typically an </a:t>
-            </a:r>
-            <a:r>
-              <a:rPr lang="en-US" b="1" dirty="0"/>
-              <a:t>output stream</a:t>
-            </a:r>
-            <a:r>
-              <a:rPr lang="en-US" dirty="0"/>
-              <a:t> object like std::</a:t>
-            </a:r>
-            <a:r>
-              <a:rPr lang="en-US" dirty="0" err="1"/>
-              <a:t>ostream</a:t>
-            </a:r>
-            <a:r>
-              <a:rPr lang="en-US" dirty="0"/>
-              <a:t>. For example, in:</a:t>
-            </a:r>
-          </a:p>
-          <a:p>
-            <a:r>
-              <a:rPr lang="en-US" dirty="0"/>
-              <a:t>std::</a:t>
-            </a:r>
-            <a:r>
-              <a:rPr lang="en-US" dirty="0" err="1"/>
-              <a:t>cout</a:t>
-            </a:r>
-            <a:r>
-              <a:rPr lang="en-US" dirty="0"/>
-              <a:t> is the object on the left side.</a:t>
-            </a:r>
+            <a:endParaRPr lang="en-US" dirty="0"/>
           </a:p>
         </p:txBody>
       </p:sp>
@@ -2326,16 +1489,7 @@
           <a:bodyPr/>
           <a:lstStyle/>
           <a:p>
-            <a:r>
-              <a:rPr lang="en-US" dirty="0"/>
-              <a:t>The right side of the &lt;&lt; operator is the object being output, in this case, a String object. For example, in:</a:t>
-            </a:r>
-          </a:p>
-          <a:p>
-            <a:r>
-              <a:rPr lang="en-US" dirty="0"/>
-              <a:t>s is the object on the right side, which is a String object.</a:t>
-            </a:r>
+            <a:endParaRPr lang="en-US" dirty="0"/>
           </a:p>
         </p:txBody>
       </p:sp>
@@ -2419,26 +1573,7 @@
           <a:bodyPr/>
           <a:lstStyle/>
           <a:p>
-            <a:r>
-              <a:rPr lang="en-US" dirty="0"/>
-              <a:t>The &lt;&lt; operator should </a:t>
-            </a:r>
-            <a:r>
-              <a:rPr lang="en-US" b="1" dirty="0"/>
-              <a:t>return a reference to the output stream</a:t>
-            </a:r>
-            <a:r>
-              <a:rPr lang="en-US" dirty="0"/>
-              <a:t> (std::</a:t>
-            </a:r>
-            <a:r>
-              <a:rPr lang="en-US" dirty="0" err="1"/>
-              <a:t>ostream</a:t>
-            </a:r>
-            <a:r>
-              <a:rPr lang="en-US" dirty="0"/>
-              <a:t>&amp;). This allows chaining of the &lt;&lt; operator, such as:</a:t>
-            </a:r>
+            <a:endParaRPr lang="en-US" dirty="0"/>
           </a:p>
         </p:txBody>
       </p:sp>
@@ -2522,42 +1657,7 @@
           <a:bodyPr/>
           <a:lstStyle/>
           <a:p>
-            <a:r>
-              <a:rPr lang="en-US" dirty="0"/>
-              <a:t>The &lt;&lt; operator should </a:t>
-            </a:r>
-            <a:r>
-              <a:rPr lang="en-US" b="1" dirty="0"/>
-              <a:t>not</a:t>
-            </a:r>
-            <a:r>
-              <a:rPr lang="en-US" dirty="0"/>
-              <a:t> be a member function of the String class because the left-hand operand (std::</a:t>
-            </a:r>
-            <a:r>
-              <a:rPr lang="en-US" dirty="0" err="1"/>
-              <a:t>ostream</a:t>
-            </a:r>
-            <a:r>
-              <a:rPr lang="en-US" dirty="0"/>
-              <a:t>) is not a String object. Instead, it should be a </a:t>
-            </a:r>
-            <a:r>
-              <a:rPr lang="en-US" b="1" dirty="0"/>
-              <a:t>non-member</a:t>
-            </a:r>
-            <a:r>
-              <a:rPr lang="en-US" dirty="0"/>
-              <a:t> function or a </a:t>
-            </a:r>
-            <a:r>
-              <a:rPr lang="en-US" b="1" dirty="0"/>
-              <a:t>friend</a:t>
-            </a:r>
-            <a:r>
-              <a:rPr lang="en-US" dirty="0"/>
-              <a:t> function if it needs access to private data members of the String class.</a:t>
-            </a:r>
+            <a:endParaRPr lang="en-US" dirty="0"/>
           </a:p>
         </p:txBody>
       </p:sp>
@@ -2641,182 +1741,6 @@
           <a:bodyPr/>
           <a:lstStyle/>
           <a:p>
-            <a:r>
-              <a:rPr lang="en-US" dirty="0" err="1"/>
-              <a:t>ostream</a:t>
-            </a:r>
-            <a:r>
-              <a:rPr lang="en-US" dirty="0"/>
-              <a:t>&amp; means this function </a:t>
-            </a:r>
-            <a:r>
-              <a:rPr lang="en-US" b="1" dirty="0"/>
-              <a:t>returns a reference to the output stream </a:t>
-            </a:r>
-            <a:r>
-              <a:rPr lang="en-US" dirty="0"/>
-              <a:t>(like std::</a:t>
-            </a:r>
-            <a:r>
-              <a:rPr lang="en-US" dirty="0" err="1"/>
-              <a:t>cout</a:t>
-            </a:r>
-            <a:r>
-              <a:rPr lang="en-US" dirty="0"/>
-              <a:t>). The &lt;&lt; operator </a:t>
-            </a:r>
-            <a:r>
-              <a:rPr lang="en-US" b="1" dirty="0"/>
-              <a:t>must</a:t>
-            </a:r>
-            <a:r>
-              <a:rPr lang="en-US" dirty="0"/>
-              <a:t> be a global function or a </a:t>
-            </a:r>
-            <a:r>
-              <a:rPr lang="en-US" b="1" dirty="0"/>
-              <a:t>non-member function</a:t>
-            </a:r>
-            <a:r>
-              <a:rPr lang="en-US" dirty="0"/>
-              <a:t> because the first argument (on the left side of &lt;&lt;) is not a String object—it is an output stream (like std::</a:t>
-            </a:r>
-            <a:r>
-              <a:rPr lang="en-US" dirty="0" err="1"/>
-              <a:t>cout</a:t>
-            </a:r>
-            <a:r>
-              <a:rPr lang="en-US" dirty="0"/>
-              <a:t>), which is not part of the String class. The String object (s) is on the right side of the operator.	std::</a:t>
-            </a:r>
-            <a:r>
-              <a:rPr lang="en-US" dirty="0" err="1"/>
-              <a:t>cout</a:t>
-            </a:r>
-            <a:r>
-              <a:rPr lang="en-US" dirty="0"/>
-              <a:t> &lt;&lt; s1 &lt;&lt; s2;</a:t>
-            </a:r>
-          </a:p>
-          <a:p>
-            <a:endParaRPr lang="en-US" dirty="0"/>
-          </a:p>
-          <a:p>
-            <a:endParaRPr lang="en-US" dirty="0"/>
-          </a:p>
-          <a:p>
-            <a:r>
-              <a:rPr lang="en-US" dirty="0" err="1"/>
-              <a:t>ostream</a:t>
-            </a:r>
-            <a:r>
-              <a:rPr lang="en-US" dirty="0"/>
-              <a:t>&amp; </a:t>
-            </a:r>
-            <a:r>
-              <a:rPr lang="en-US" dirty="0" err="1"/>
-              <a:t>os</a:t>
-            </a:r>
-            <a:r>
-              <a:rPr lang="en-US" dirty="0"/>
-              <a:t>: A reference to an output stream (such as std::</a:t>
-            </a:r>
-            <a:r>
-              <a:rPr lang="en-US" dirty="0" err="1"/>
-              <a:t>cout</a:t>
-            </a:r>
-            <a:r>
-              <a:rPr lang="en-US" dirty="0"/>
-              <a:t>).</a:t>
-            </a:r>
-          </a:p>
-          <a:p>
-            <a:r>
-              <a:rPr lang="en-US" dirty="0"/>
-              <a:t>String&amp; s: A reference to a String object, which we want to print.</a:t>
-            </a:r>
-          </a:p>
-          <a:p>
-            <a:endParaRPr lang="en-US" dirty="0"/>
-          </a:p>
-          <a:p>
-            <a:r>
-              <a:rPr lang="en-US" dirty="0" err="1"/>
-              <a:t>ostream</a:t>
-            </a:r>
-            <a:r>
-              <a:rPr lang="en-US" dirty="0"/>
-              <a:t>&amp; </a:t>
-            </a:r>
-            <a:r>
-              <a:rPr lang="en-US" dirty="0" err="1"/>
-              <a:t>os</a:t>
-            </a:r>
-            <a:r>
-              <a:rPr lang="en-US" dirty="0"/>
-              <a:t>: This is the output stream, like std::</a:t>
-            </a:r>
-            <a:r>
-              <a:rPr lang="en-US" dirty="0" err="1"/>
-              <a:t>cout</a:t>
-            </a:r>
-            <a:r>
-              <a:rPr lang="en-US" dirty="0"/>
-              <a:t>. It’s where we want to send the output (e.g., to the console).String&amp; s: This is our custom String object (the one we want to print)</a:t>
-            </a:r>
-          </a:p>
-          <a:p>
-            <a:endParaRPr lang="en-US" dirty="0"/>
-          </a:p>
-          <a:p>
-            <a:r>
-              <a:rPr lang="en-US" dirty="0"/>
-              <a:t>return </a:t>
-            </a:r>
-            <a:r>
-              <a:rPr lang="en-US" dirty="0" err="1"/>
-              <a:t>os</a:t>
-            </a:r>
-            <a:r>
-              <a:rPr lang="en-US" dirty="0"/>
-              <a:t> &lt;&lt; </a:t>
-            </a:r>
-            <a:r>
-              <a:rPr lang="en-US" dirty="0" err="1"/>
-              <a:t>s.storageM</a:t>
-            </a:r>
-            <a:r>
-              <a:rPr lang="en-US" dirty="0"/>
-              <a:t>;</a:t>
-            </a:r>
-          </a:p>
-          <a:p>
-            <a:endParaRPr lang="en-US" dirty="0"/>
-          </a:p>
-          <a:p>
-            <a:r>
-              <a:rPr lang="en-US" dirty="0"/>
-              <a:t>String s("Hello World");</a:t>
-            </a:r>
-          </a:p>
-          <a:p>
-            <a:r>
-              <a:rPr lang="en-US" dirty="0"/>
-              <a:t>std::</a:t>
-            </a:r>
-            <a:r>
-              <a:rPr lang="en-US" dirty="0" err="1"/>
-              <a:t>cout</a:t>
-            </a:r>
-            <a:r>
-              <a:rPr lang="en-US" dirty="0"/>
-              <a:t> &lt;&lt; s;</a:t>
-            </a:r>
-          </a:p>
-          <a:p>
-            <a:endParaRPr lang="en-US" dirty="0"/>
-          </a:p>
-          <a:p>
             <a:endParaRPr lang="en-US" dirty="0"/>
           </a:p>
         </p:txBody>
@@ -2901,98 +1825,7 @@
           <a:bodyPr/>
           <a:lstStyle/>
           <a:p>
-            <a:r>
-              <a:rPr lang="en-US" dirty="0"/>
-              <a:t>This function allows the &gt;&gt; operator (like </a:t>
-            </a:r>
-            <a:r>
-              <a:rPr lang="en-US" dirty="0" err="1"/>
-              <a:t>cin</a:t>
-            </a:r>
-            <a:r>
-              <a:rPr lang="en-US" dirty="0"/>
-              <a:t> &gt;&gt; s) to be used with a custom String class, so you can input a string directly into a String object from an input stream (such as </a:t>
-            </a:r>
-            <a:r>
-              <a:rPr lang="en-US" dirty="0" err="1"/>
-              <a:t>cin</a:t>
-            </a:r>
-            <a:endParaRPr lang="en-US" b="1" dirty="0"/>
-          </a:p>
-          <a:p>
-            <a:r>
-              <a:rPr lang="en-US" b="1" dirty="0" err="1"/>
-              <a:t>istream</a:t>
-            </a:r>
-            <a:r>
-              <a:rPr lang="en-US" b="1" dirty="0"/>
-              <a:t>&amp; is</a:t>
-            </a:r>
-            <a:r>
-              <a:rPr lang="en-US" dirty="0"/>
-              <a:t>: This is a reference to the input stream, such as </a:t>
-            </a:r>
-            <a:r>
-              <a:rPr lang="en-US" dirty="0" err="1"/>
-              <a:t>cin</a:t>
-            </a:r>
-            <a:r>
-              <a:rPr lang="en-US" dirty="0"/>
-              <a:t>.</a:t>
-            </a:r>
-          </a:p>
-          <a:p>
-            <a:r>
-              <a:rPr lang="en-US" b="1" dirty="0"/>
-              <a:t>String&amp; s</a:t>
-            </a:r>
-            <a:r>
-              <a:rPr lang="en-US" dirty="0"/>
-              <a:t>: This is a reference to a String object where the input will be stored.</a:t>
-            </a:r>
-          </a:p>
-          <a:p>
-            <a:r>
-              <a:rPr lang="en-US" b="1" dirty="0" err="1"/>
-              <a:t>s.storageM</a:t>
-            </a:r>
-            <a:r>
-              <a:rPr lang="en-US" dirty="0"/>
-              <a:t>: This is the member of the String class where the string data is stored (like a character array or C-style string).</a:t>
-            </a:r>
-          </a:p>
-          <a:p>
             <a:endParaRPr lang="en-US" dirty="0"/>
-          </a:p>
-          <a:p>
-            <a:r>
-              <a:rPr lang="en-US" dirty="0"/>
-              <a:t>The user types "Alice".</a:t>
-            </a:r>
-            <a:r>
-              <a:rPr lang="en-US" dirty="0" err="1"/>
-              <a:t>cin</a:t>
-            </a:r>
-            <a:r>
-              <a:rPr lang="en-US" dirty="0"/>
-              <a:t> &gt;&gt; s1; calls the overloaded &gt;&gt; operator, which reads "Alice" from the input stream (</a:t>
-            </a:r>
-            <a:r>
-              <a:rPr lang="en-US" dirty="0" err="1"/>
-              <a:t>cin</a:t>
-            </a:r>
-            <a:r>
-              <a:rPr lang="en-US" dirty="0"/>
-              <a:t>) and stores it in s1.storageM.The </a:t>
-            </a:r>
-            <a:r>
-              <a:rPr lang="en-US" dirty="0" err="1"/>
-              <a:t>cout</a:t>
-            </a:r>
-            <a:r>
-              <a:rPr lang="en-US" dirty="0"/>
-              <a:t> &lt;&lt; s1; statement calls the overloaded &lt;&lt; operator, which accesses s1.storageM and prints "Alice" to the console.</a:t>
-            </a:r>
           </a:p>
         </p:txBody>
       </p:sp>
@@ -3076,50 +1909,6 @@
           <a:bodyPr/>
           <a:lstStyle/>
           <a:p>
-            <a:pPr>
-              <a:buFont typeface="Arial" panose="020B0604020202020204" pitchFamily="34" charset="0"/>
-              <a:buChar char="•"/>
-            </a:pPr>
-            <a:r>
-              <a:rPr lang="en-US" dirty="0"/>
-              <a:t>The subscript operator ([]) is a </a:t>
-            </a:r>
-            <a:r>
-              <a:rPr lang="en-US" b="1" dirty="0"/>
-              <a:t>binary</a:t>
-            </a:r>
-            <a:r>
-              <a:rPr lang="en-US" dirty="0"/>
-              <a:t> operator because it operates on </a:t>
-            </a:r>
-            <a:r>
-              <a:rPr lang="en-US" b="1" dirty="0"/>
-              <a:t>two </a:t>
-            </a:r>
-            <a:r>
-              <a:rPr lang="en-US" b="1" dirty="0" err="1"/>
-              <a:t>operands</a:t>
-            </a:r>
-            <a:r>
-              <a:rPr lang="en-US" dirty="0" err="1"/>
-              <a:t>:The</a:t>
-            </a:r>
-            <a:r>
-              <a:rPr lang="en-US" dirty="0"/>
-              <a:t> object itself (on which the operator is applied).</a:t>
-            </a:r>
-          </a:p>
-          <a:p>
-            <a:pPr>
-              <a:buFont typeface="Arial" panose="020B0604020202020204" pitchFamily="34" charset="0"/>
-              <a:buChar char="•"/>
-            </a:pPr>
-            <a:r>
-              <a:rPr lang="en-US" dirty="0"/>
-              <a:t>The index inside the square brackets (e.g., s[3], where 3 is the second operand).</a:t>
-            </a:r>
-          </a:p>
-          <a:p>
             <a:endParaRPr lang="en-US" dirty="0"/>
           </a:p>
         </p:txBody>
@@ -3204,10 +1993,7 @@
           <a:bodyPr/>
           <a:lstStyle/>
           <a:p>
-            <a:r>
-              <a:rPr lang="en-US" dirty="0"/>
-              <a:t>It directly accesses the internal data of the class, and only member functions have access to the private members of the class (such as the internal character array).</a:t>
-            </a:r>
+            <a:endParaRPr lang="en-US" dirty="0"/>
           </a:p>
         </p:txBody>
       </p:sp>
@@ -3394,7 +2180,7 @@
           <a:p>
             <a:fld id="{A56AE77A-E856-8045-82F2-C8BAD99C4243}" type="datetimeFigureOut">
               <a:rPr lang="en-US" smtClean="0"/>
-              <a:t>9/15/24</a:t>
+              <a:t>9/16/24</a:t>
             </a:fld>
             <a:endParaRPr lang="en-US"/>
           </a:p>
@@ -3592,7 +2378,7 @@
           <a:p>
             <a:fld id="{A56AE77A-E856-8045-82F2-C8BAD99C4243}" type="datetimeFigureOut">
               <a:rPr lang="en-US" smtClean="0"/>
-              <a:t>9/15/24</a:t>
+              <a:t>9/16/24</a:t>
             </a:fld>
             <a:endParaRPr lang="en-US"/>
           </a:p>
@@ -3800,7 +2586,7 @@
           <a:p>
             <a:fld id="{A56AE77A-E856-8045-82F2-C8BAD99C4243}" type="datetimeFigureOut">
               <a:rPr lang="en-US" smtClean="0"/>
-              <a:t>9/15/24</a:t>
+              <a:t>9/16/24</a:t>
             </a:fld>
             <a:endParaRPr lang="en-US"/>
           </a:p>
@@ -3998,7 +2784,7 @@
           <a:p>
             <a:fld id="{A56AE77A-E856-8045-82F2-C8BAD99C4243}" type="datetimeFigureOut">
               <a:rPr lang="en-US" smtClean="0"/>
-              <a:t>9/15/24</a:t>
+              <a:t>9/16/24</a:t>
             </a:fld>
             <a:endParaRPr lang="en-US"/>
           </a:p>
@@ -4273,7 +3059,7 @@
           <a:p>
             <a:fld id="{A56AE77A-E856-8045-82F2-C8BAD99C4243}" type="datetimeFigureOut">
               <a:rPr lang="en-US" smtClean="0"/>
-              <a:t>9/15/24</a:t>
+              <a:t>9/16/24</a:t>
             </a:fld>
             <a:endParaRPr lang="en-US"/>
           </a:p>
@@ -4538,7 +3324,7 @@
           <a:p>
             <a:fld id="{A56AE77A-E856-8045-82F2-C8BAD99C4243}" type="datetimeFigureOut">
               <a:rPr lang="en-US" smtClean="0"/>
-              <a:t>9/15/24</a:t>
+              <a:t>9/16/24</a:t>
             </a:fld>
             <a:endParaRPr lang="en-US"/>
           </a:p>
@@ -4950,7 +3736,7 @@
           <a:p>
             <a:fld id="{A56AE77A-E856-8045-82F2-C8BAD99C4243}" type="datetimeFigureOut">
               <a:rPr lang="en-US" smtClean="0"/>
-              <a:t>9/15/24</a:t>
+              <a:t>9/16/24</a:t>
             </a:fld>
             <a:endParaRPr lang="en-US"/>
           </a:p>
@@ -5091,7 +3877,7 @@
           <a:p>
             <a:fld id="{A56AE77A-E856-8045-82F2-C8BAD99C4243}" type="datetimeFigureOut">
               <a:rPr lang="en-US" smtClean="0"/>
-              <a:t>9/15/24</a:t>
+              <a:t>9/16/24</a:t>
             </a:fld>
             <a:endParaRPr lang="en-US"/>
           </a:p>
@@ -5204,7 +3990,7 @@
           <a:p>
             <a:fld id="{A56AE77A-E856-8045-82F2-C8BAD99C4243}" type="datetimeFigureOut">
               <a:rPr lang="en-US" smtClean="0"/>
-              <a:t>9/15/24</a:t>
+              <a:t>9/16/24</a:t>
             </a:fld>
             <a:endParaRPr lang="en-US"/>
           </a:p>
@@ -5515,7 +4301,7 @@
           <a:p>
             <a:fld id="{A56AE77A-E856-8045-82F2-C8BAD99C4243}" type="datetimeFigureOut">
               <a:rPr lang="en-US" smtClean="0"/>
-              <a:t>9/15/24</a:t>
+              <a:t>9/16/24</a:t>
             </a:fld>
             <a:endParaRPr lang="en-US"/>
           </a:p>
@@ -5803,7 +4589,7 @@
           <a:p>
             <a:fld id="{A56AE77A-E856-8045-82F2-C8BAD99C4243}" type="datetimeFigureOut">
               <a:rPr lang="en-US" smtClean="0"/>
-              <a:t>9/15/24</a:t>
+              <a:t>9/16/24</a:t>
             </a:fld>
             <a:endParaRPr lang="en-US"/>
           </a:p>
@@ -6044,7 +4830,7 @@
           <a:p>
             <a:fld id="{A56AE77A-E856-8045-82F2-C8BAD99C4243}" type="datetimeFigureOut">
               <a:rPr lang="en-US" smtClean="0"/>
-              <a:t>9/15/24</a:t>
+              <a:t>9/16/24</a:t>
             </a:fld>
             <a:endParaRPr lang="en-US"/>
           </a:p>

--- a/Operator Overloading/Op_Overloading_Part2.pptx
+++ b/Operator Overloading/Op_Overloading_Part2.pptx
@@ -226,7 +226,7 @@
           <a:p>
             <a:fld id="{FD0C6649-6D93-4944-9A6D-4F56A13E0781}" type="datetimeFigureOut">
               <a:rPr lang="en-US" smtClean="0"/>
-              <a:t>9/16/24</a:t>
+              <a:t>9/17/24</a:t>
             </a:fld>
             <a:endParaRPr lang="en-US"/>
           </a:p>
@@ -2180,7 +2180,7 @@
           <a:p>
             <a:fld id="{A56AE77A-E856-8045-82F2-C8BAD99C4243}" type="datetimeFigureOut">
               <a:rPr lang="en-US" smtClean="0"/>
-              <a:t>9/16/24</a:t>
+              <a:t>9/17/24</a:t>
             </a:fld>
             <a:endParaRPr lang="en-US"/>
           </a:p>
@@ -2378,7 +2378,7 @@
           <a:p>
             <a:fld id="{A56AE77A-E856-8045-82F2-C8BAD99C4243}" type="datetimeFigureOut">
               <a:rPr lang="en-US" smtClean="0"/>
-              <a:t>9/16/24</a:t>
+              <a:t>9/17/24</a:t>
             </a:fld>
             <a:endParaRPr lang="en-US"/>
           </a:p>
@@ -2586,7 +2586,7 @@
           <a:p>
             <a:fld id="{A56AE77A-E856-8045-82F2-C8BAD99C4243}" type="datetimeFigureOut">
               <a:rPr lang="en-US" smtClean="0"/>
-              <a:t>9/16/24</a:t>
+              <a:t>9/17/24</a:t>
             </a:fld>
             <a:endParaRPr lang="en-US"/>
           </a:p>
@@ -2784,7 +2784,7 @@
           <a:p>
             <a:fld id="{A56AE77A-E856-8045-82F2-C8BAD99C4243}" type="datetimeFigureOut">
               <a:rPr lang="en-US" smtClean="0"/>
-              <a:t>9/16/24</a:t>
+              <a:t>9/17/24</a:t>
             </a:fld>
             <a:endParaRPr lang="en-US"/>
           </a:p>
@@ -3059,7 +3059,7 @@
           <a:p>
             <a:fld id="{A56AE77A-E856-8045-82F2-C8BAD99C4243}" type="datetimeFigureOut">
               <a:rPr lang="en-US" smtClean="0"/>
-              <a:t>9/16/24</a:t>
+              <a:t>9/17/24</a:t>
             </a:fld>
             <a:endParaRPr lang="en-US"/>
           </a:p>
@@ -3324,7 +3324,7 @@
           <a:p>
             <a:fld id="{A56AE77A-E856-8045-82F2-C8BAD99C4243}" type="datetimeFigureOut">
               <a:rPr lang="en-US" smtClean="0"/>
-              <a:t>9/16/24</a:t>
+              <a:t>9/17/24</a:t>
             </a:fld>
             <a:endParaRPr lang="en-US"/>
           </a:p>
@@ -3736,7 +3736,7 @@
           <a:p>
             <a:fld id="{A56AE77A-E856-8045-82F2-C8BAD99C4243}" type="datetimeFigureOut">
               <a:rPr lang="en-US" smtClean="0"/>
-              <a:t>9/16/24</a:t>
+              <a:t>9/17/24</a:t>
             </a:fld>
             <a:endParaRPr lang="en-US"/>
           </a:p>
@@ -3877,7 +3877,7 @@
           <a:p>
             <a:fld id="{A56AE77A-E856-8045-82F2-C8BAD99C4243}" type="datetimeFigureOut">
               <a:rPr lang="en-US" smtClean="0"/>
-              <a:t>9/16/24</a:t>
+              <a:t>9/17/24</a:t>
             </a:fld>
             <a:endParaRPr lang="en-US"/>
           </a:p>
@@ -3990,7 +3990,7 @@
           <a:p>
             <a:fld id="{A56AE77A-E856-8045-82F2-C8BAD99C4243}" type="datetimeFigureOut">
               <a:rPr lang="en-US" smtClean="0"/>
-              <a:t>9/16/24</a:t>
+              <a:t>9/17/24</a:t>
             </a:fld>
             <a:endParaRPr lang="en-US"/>
           </a:p>
@@ -4301,7 +4301,7 @@
           <a:p>
             <a:fld id="{A56AE77A-E856-8045-82F2-C8BAD99C4243}" type="datetimeFigureOut">
               <a:rPr lang="en-US" smtClean="0"/>
-              <a:t>9/16/24</a:t>
+              <a:t>9/17/24</a:t>
             </a:fld>
             <a:endParaRPr lang="en-US"/>
           </a:p>
@@ -4589,7 +4589,7 @@
           <a:p>
             <a:fld id="{A56AE77A-E856-8045-82F2-C8BAD99C4243}" type="datetimeFigureOut">
               <a:rPr lang="en-US" smtClean="0"/>
-              <a:t>9/16/24</a:t>
+              <a:t>9/17/24</a:t>
             </a:fld>
             <a:endParaRPr lang="en-US"/>
           </a:p>
@@ -4830,7 +4830,7 @@
           <a:p>
             <a:fld id="{A56AE77A-E856-8045-82F2-C8BAD99C4243}" type="datetimeFigureOut">
               <a:rPr lang="en-US" smtClean="0"/>
-              <a:t>9/16/24</a:t>
+              <a:t>9/17/24</a:t>
             </a:fld>
             <a:endParaRPr lang="en-US"/>
           </a:p>
